--- a/Presentation.pptx
+++ b/Presentation.pptx
@@ -10,6 +10,12 @@
     <p:sldId id="258" r:id="rId4"/>
     <p:sldId id="259" r:id="rId5"/>
     <p:sldId id="260" r:id="rId6"/>
+    <p:sldId id="261" r:id="rId7"/>
+    <p:sldId id="262" r:id="rId8"/>
+    <p:sldId id="263" r:id="rId9"/>
+    <p:sldId id="264" r:id="rId10"/>
+    <p:sldId id="265" r:id="rId11"/>
+    <p:sldId id="266" r:id="rId12"/>
   </p:sldIdLst>
   <p:sldSz cx="12192000" cy="6858000"/>
   <p:notesSz cx="6858000" cy="9144000"/>
@@ -108,6 +114,11 @@
       </a:defRPr>
     </a:lvl9pPr>
   </p:defaultTextStyle>
+  <p:extLst>
+    <p:ext uri="{EFAFB233-063F-42B5-8137-9DF3F51BA10A}">
+      <p15:sldGuideLst xmlns:p15="http://schemas.microsoft.com/office/powerpoint/2012/main"/>
+    </p:ext>
+  </p:extLst>
 </p:presentation>
 </file>
 
@@ -14263,6 +14274,245 @@
 </p:sld>
 </file>
 
+<file path=ppt/slides/slide10.xml><?xml version="1.0" encoding="utf-8"?>
+<p:sld xmlns:a="http://schemas.openxmlformats.org/drawingml/2006/main" xmlns:r="http://schemas.openxmlformats.org/officeDocument/2006/relationships" xmlns:p="http://schemas.openxmlformats.org/presentationml/2006/main">
+  <p:cSld>
+    <p:spTree>
+      <p:nvGrpSpPr>
+        <p:cNvPr id="1" name=""/>
+        <p:cNvGrpSpPr/>
+        <p:nvPr/>
+      </p:nvGrpSpPr>
+      <p:grpSpPr>
+        <a:xfrm>
+          <a:off x="0" y="0"/>
+          <a:ext cx="0" cy="0"/>
+          <a:chOff x="0" y="0"/>
+          <a:chExt cx="0" cy="0"/>
+        </a:xfrm>
+      </p:grpSpPr>
+      <p:sp>
+        <p:nvSpPr>
+          <p:cNvPr id="2" name="Title 1"/>
+          <p:cNvSpPr>
+            <a:spLocks noGrp="1"/>
+          </p:cNvSpPr>
+          <p:nvPr>
+            <p:ph type="title"/>
+          </p:nvPr>
+        </p:nvSpPr>
+        <p:spPr>
+          <a:xfrm>
+            <a:off x="1154955" y="1365739"/>
+            <a:ext cx="2793158" cy="1600200"/>
+          </a:xfrm>
+        </p:spPr>
+        <p:txBody>
+          <a:bodyPr/>
+          <a:lstStyle/>
+          <a:p>
+            <a:r>
+              <a:rPr lang="en-US" altLang="ko-KR" dirty="0" smtClean="0"/>
+              <a:t>Frontend</a:t>
+            </a:r>
+            <a:endParaRPr lang="ko-KR" altLang="en-US" dirty="0"/>
+          </a:p>
+        </p:txBody>
+      </p:sp>
+      <p:sp>
+        <p:nvSpPr>
+          <p:cNvPr id="4" name="Text Placeholder 3"/>
+          <p:cNvSpPr>
+            <a:spLocks noGrp="1"/>
+          </p:cNvSpPr>
+          <p:nvPr>
+            <p:ph type="body" sz="half" idx="2"/>
+          </p:nvPr>
+        </p:nvSpPr>
+        <p:spPr/>
+        <p:txBody>
+          <a:bodyPr/>
+          <a:lstStyle/>
+          <a:p>
+            <a:r>
+              <a:rPr lang="en-US" altLang="ko-KR" dirty="0" smtClean="0"/>
+              <a:t>Statistical Analysis</a:t>
+            </a:r>
+            <a:endParaRPr lang="ko-KR" altLang="en-US" dirty="0"/>
+          </a:p>
+        </p:txBody>
+      </p:sp>
+      <p:sp>
+        <p:nvSpPr>
+          <p:cNvPr id="6" name="TextBox 5"/>
+          <p:cNvSpPr txBox="1"/>
+          <p:nvPr/>
+        </p:nvSpPr>
+        <p:spPr>
+          <a:xfrm>
+            <a:off x="5503984" y="1163224"/>
+            <a:ext cx="5187462" cy="369332"/>
+          </a:xfrm>
+          <a:prstGeom prst="rect">
+            <a:avLst/>
+          </a:prstGeom>
+          <a:noFill/>
+        </p:spPr>
+        <p:txBody>
+          <a:bodyPr wrap="square" rtlCol="0">
+            <a:spAutoFit/>
+          </a:bodyPr>
+          <a:lstStyle/>
+          <a:p>
+            <a:r>
+              <a:rPr lang="ko-KR" altLang="en-US" dirty="0" smtClean="0"/>
+              <a:t>원자재 가격 비교</a:t>
+            </a:r>
+            <a:endParaRPr lang="ko-KR" altLang="en-US" dirty="0"/>
+          </a:p>
+        </p:txBody>
+      </p:sp>
+      <p:pic>
+        <p:nvPicPr>
+          <p:cNvPr id="3" name="그림 2"/>
+          <p:cNvPicPr>
+            <a:picLocks noChangeAspect="1"/>
+          </p:cNvPicPr>
+          <p:nvPr/>
+        </p:nvPicPr>
+        <p:blipFill>
+          <a:blip r:embed="rId2">
+            <a:extLst>
+              <a:ext uri="{28A0092B-C50C-407E-A947-70E740481C1C}">
+                <a14:useLocalDpi xmlns:a14="http://schemas.microsoft.com/office/drawing/2010/main" val="0"/>
+              </a:ext>
+            </a:extLst>
+          </a:blip>
+          <a:stretch>
+            <a:fillRect/>
+          </a:stretch>
+        </p:blipFill>
+        <p:spPr>
+          <a:xfrm>
+            <a:off x="2866292" y="1532556"/>
+            <a:ext cx="7445633" cy="4484133"/>
+          </a:xfrm>
+          <a:prstGeom prst="rect">
+            <a:avLst/>
+          </a:prstGeom>
+        </p:spPr>
+      </p:pic>
+    </p:spTree>
+    <p:extLst>
+      <p:ext uri="{BB962C8B-B14F-4D97-AF65-F5344CB8AC3E}">
+        <p14:creationId xmlns:p14="http://schemas.microsoft.com/office/powerpoint/2010/main" val="1819390410"/>
+      </p:ext>
+    </p:extLst>
+  </p:cSld>
+  <p:clrMapOvr>
+    <a:masterClrMapping/>
+  </p:clrMapOvr>
+</p:sld>
+</file>
+
+<file path=ppt/slides/slide11.xml><?xml version="1.0" encoding="utf-8"?>
+<p:sld xmlns:a="http://schemas.openxmlformats.org/drawingml/2006/main" xmlns:r="http://schemas.openxmlformats.org/officeDocument/2006/relationships" xmlns:p="http://schemas.openxmlformats.org/presentationml/2006/main">
+  <p:cSld>
+    <p:spTree>
+      <p:nvGrpSpPr>
+        <p:cNvPr id="1" name=""/>
+        <p:cNvGrpSpPr/>
+        <p:nvPr/>
+      </p:nvGrpSpPr>
+      <p:grpSpPr>
+        <a:xfrm>
+          <a:off x="0" y="0"/>
+          <a:ext cx="0" cy="0"/>
+          <a:chOff x="0" y="0"/>
+          <a:chExt cx="0" cy="0"/>
+        </a:xfrm>
+      </p:grpSpPr>
+      <p:sp>
+        <p:nvSpPr>
+          <p:cNvPr id="2" name="제목 1"/>
+          <p:cNvSpPr>
+            <a:spLocks noGrp="1"/>
+          </p:cNvSpPr>
+          <p:nvPr>
+            <p:ph type="title"/>
+          </p:nvPr>
+        </p:nvSpPr>
+        <p:spPr/>
+        <p:txBody>
+          <a:bodyPr/>
+          <a:lstStyle/>
+          <a:p>
+            <a:endParaRPr lang="ko-KR" altLang="en-US" dirty="0"/>
+          </a:p>
+        </p:txBody>
+      </p:sp>
+      <p:sp>
+        <p:nvSpPr>
+          <p:cNvPr id="3" name="내용 개체 틀 2"/>
+          <p:cNvSpPr>
+            <a:spLocks noGrp="1"/>
+          </p:cNvSpPr>
+          <p:nvPr>
+            <p:ph idx="1"/>
+          </p:nvPr>
+        </p:nvSpPr>
+        <p:spPr>
+          <a:xfrm>
+            <a:off x="5174477" y="843280"/>
+            <a:ext cx="5190065" cy="4572000"/>
+          </a:xfrm>
+        </p:spPr>
+        <p:txBody>
+          <a:bodyPr>
+            <a:normAutofit/>
+          </a:bodyPr>
+          <a:lstStyle/>
+          <a:p>
+            <a:r>
+              <a:rPr lang="ko-KR" altLang="en-US" sz="5400" dirty="0" smtClean="0"/>
+              <a:t>감사합니다</a:t>
+            </a:r>
+            <a:endParaRPr lang="ko-KR" altLang="en-US" sz="5400" dirty="0"/>
+          </a:p>
+        </p:txBody>
+      </p:sp>
+      <p:sp>
+        <p:nvSpPr>
+          <p:cNvPr id="4" name="텍스트 개체 틀 3"/>
+          <p:cNvSpPr>
+            <a:spLocks noGrp="1"/>
+          </p:cNvSpPr>
+          <p:nvPr>
+            <p:ph type="body" sz="half" idx="2"/>
+          </p:nvPr>
+        </p:nvSpPr>
+        <p:spPr/>
+        <p:txBody>
+          <a:bodyPr/>
+          <a:lstStyle/>
+          <a:p>
+            <a:endParaRPr lang="ko-KR" altLang="en-US"/>
+          </a:p>
+        </p:txBody>
+      </p:sp>
+    </p:spTree>
+    <p:extLst>
+      <p:ext uri="{BB962C8B-B14F-4D97-AF65-F5344CB8AC3E}">
+        <p14:creationId xmlns:p14="http://schemas.microsoft.com/office/powerpoint/2010/main" val="1054325111"/>
+      </p:ext>
+    </p:extLst>
+  </p:cSld>
+  <p:clrMapOvr>
+    <a:masterClrMapping/>
+  </p:clrMapOvr>
+</p:sld>
+</file>
+
 <file path=ppt/slides/slide2.xml><?xml version="1.0" encoding="utf-8"?>
 <p:sld xmlns:a="http://schemas.openxmlformats.org/drawingml/2006/main" xmlns:r="http://schemas.openxmlformats.org/officeDocument/2006/relationships" xmlns:p="http://schemas.openxmlformats.org/presentationml/2006/main">
   <p:cSld>
@@ -14896,6 +15146,627 @@
     <p:extLst>
       <p:ext uri="{BB962C8B-B14F-4D97-AF65-F5344CB8AC3E}">
         <p14:creationId xmlns:p14="http://schemas.microsoft.com/office/powerpoint/2010/main" val="2639962374"/>
+      </p:ext>
+    </p:extLst>
+  </p:cSld>
+  <p:clrMapOvr>
+    <a:masterClrMapping/>
+  </p:clrMapOvr>
+</p:sld>
+</file>
+
+<file path=ppt/slides/slide6.xml><?xml version="1.0" encoding="utf-8"?>
+<p:sld xmlns:a="http://schemas.openxmlformats.org/drawingml/2006/main" xmlns:r="http://schemas.openxmlformats.org/officeDocument/2006/relationships" xmlns:p="http://schemas.openxmlformats.org/presentationml/2006/main">
+  <p:cSld>
+    <p:spTree>
+      <p:nvGrpSpPr>
+        <p:cNvPr id="1" name=""/>
+        <p:cNvGrpSpPr/>
+        <p:nvPr/>
+      </p:nvGrpSpPr>
+      <p:grpSpPr>
+        <a:xfrm>
+          <a:off x="0" y="0"/>
+          <a:ext cx="0" cy="0"/>
+          <a:chOff x="0" y="0"/>
+          <a:chExt cx="0" cy="0"/>
+        </a:xfrm>
+      </p:grpSpPr>
+      <p:sp>
+        <p:nvSpPr>
+          <p:cNvPr id="2" name="Title 1"/>
+          <p:cNvSpPr>
+            <a:spLocks noGrp="1"/>
+          </p:cNvSpPr>
+          <p:nvPr>
+            <p:ph type="title"/>
+          </p:nvPr>
+        </p:nvSpPr>
+        <p:spPr>
+          <a:xfrm>
+            <a:off x="1154955" y="1365739"/>
+            <a:ext cx="2793158" cy="1600200"/>
+          </a:xfrm>
+        </p:spPr>
+        <p:txBody>
+          <a:bodyPr/>
+          <a:lstStyle/>
+          <a:p>
+            <a:r>
+              <a:rPr lang="en-US" altLang="ko-KR" dirty="0" smtClean="0"/>
+              <a:t>Frontend</a:t>
+            </a:r>
+            <a:endParaRPr lang="ko-KR" altLang="en-US" dirty="0"/>
+          </a:p>
+        </p:txBody>
+      </p:sp>
+      <p:sp>
+        <p:nvSpPr>
+          <p:cNvPr id="3" name="Content Placeholder 2"/>
+          <p:cNvSpPr>
+            <a:spLocks noGrp="1"/>
+          </p:cNvSpPr>
+          <p:nvPr>
+            <p:ph idx="1"/>
+          </p:nvPr>
+        </p:nvSpPr>
+        <p:spPr/>
+        <p:txBody>
+          <a:bodyPr>
+            <a:normAutofit/>
+          </a:bodyPr>
+          <a:lstStyle/>
+          <a:p>
+            <a:r>
+              <a:rPr lang="ko-KR" altLang="en-US" dirty="0" smtClean="0"/>
+              <a:t>주가 변화율</a:t>
+            </a:r>
+            <a:r>
+              <a:rPr lang="en-US" altLang="ko-KR" dirty="0" smtClean="0"/>
+              <a:t>, </a:t>
+            </a:r>
+            <a:r>
+              <a:rPr lang="ko-KR" altLang="en-US" dirty="0" smtClean="0"/>
+              <a:t>이동평균선</a:t>
+            </a:r>
+            <a:r>
+              <a:rPr lang="en-US" altLang="ko-KR" dirty="0" smtClean="0"/>
+              <a:t>(Moving Average)</a:t>
+            </a:r>
+          </a:p>
+          <a:p>
+            <a:pPr marL="0" indent="0">
+              <a:buNone/>
+            </a:pPr>
+            <a:r>
+              <a:rPr lang="en-US" altLang="ko-KR" dirty="0" smtClean="0"/>
+              <a:t>	30D, 90D…</a:t>
+            </a:r>
+            <a:endParaRPr lang="en-US" altLang="ko-KR" dirty="0" smtClean="0"/>
+          </a:p>
+          <a:p>
+            <a:pPr marL="0" indent="0">
+              <a:buNone/>
+            </a:pPr>
+            <a:endParaRPr lang="en-US" altLang="ko-KR" dirty="0" smtClean="0"/>
+          </a:p>
+          <a:p>
+            <a:r>
+              <a:rPr lang="ko-KR" altLang="en-US" dirty="0" smtClean="0"/>
+              <a:t>누적 </a:t>
+            </a:r>
+            <a:r>
+              <a:rPr lang="ko-KR" altLang="en-US" dirty="0" err="1" smtClean="0"/>
+              <a:t>수익율</a:t>
+            </a:r>
+            <a:r>
+              <a:rPr lang="en-US" altLang="ko-KR" dirty="0" smtClean="0"/>
+              <a:t>(Cumulative </a:t>
+            </a:r>
+            <a:r>
+              <a:rPr lang="en-US" altLang="ko-KR" dirty="0" err="1" smtClean="0"/>
+              <a:t>Retrun</a:t>
+            </a:r>
+            <a:r>
+              <a:rPr lang="en-US" altLang="ko-KR" dirty="0" smtClean="0"/>
+              <a:t>) -&gt; 30D, 90D, 365D..</a:t>
+            </a:r>
+            <a:endParaRPr lang="en-US" altLang="ko-KR" dirty="0"/>
+          </a:p>
+          <a:p>
+            <a:endParaRPr lang="en-US" altLang="ko-KR" dirty="0" smtClean="0"/>
+          </a:p>
+          <a:p>
+            <a:r>
+              <a:rPr lang="ko-KR" altLang="en-US" dirty="0" err="1" smtClean="0"/>
+              <a:t>수익율의</a:t>
+            </a:r>
+            <a:r>
+              <a:rPr lang="ko-KR" altLang="en-US" dirty="0" smtClean="0"/>
+              <a:t> 히스토그램</a:t>
+            </a:r>
+            <a:r>
+              <a:rPr lang="en-US" altLang="ko-KR" dirty="0" smtClean="0"/>
+              <a:t>(Distribution)</a:t>
+            </a:r>
+            <a:endParaRPr lang="en-US" altLang="ko-KR" dirty="0" smtClean="0"/>
+          </a:p>
+        </p:txBody>
+      </p:sp>
+      <p:sp>
+        <p:nvSpPr>
+          <p:cNvPr id="4" name="Text Placeholder 3"/>
+          <p:cNvSpPr>
+            <a:spLocks noGrp="1"/>
+          </p:cNvSpPr>
+          <p:nvPr>
+            <p:ph type="body" sz="half" idx="2"/>
+          </p:nvPr>
+        </p:nvSpPr>
+        <p:spPr/>
+        <p:txBody>
+          <a:bodyPr/>
+          <a:lstStyle/>
+          <a:p>
+            <a:r>
+              <a:rPr lang="en-US" altLang="ko-KR" dirty="0" smtClean="0"/>
+              <a:t>Statistical Analysis</a:t>
+            </a:r>
+            <a:endParaRPr lang="ko-KR" altLang="en-US" dirty="0"/>
+          </a:p>
+        </p:txBody>
+      </p:sp>
+    </p:spTree>
+    <p:extLst>
+      <p:ext uri="{BB962C8B-B14F-4D97-AF65-F5344CB8AC3E}">
+        <p14:creationId xmlns:p14="http://schemas.microsoft.com/office/powerpoint/2010/main" val="3004154632"/>
+      </p:ext>
+    </p:extLst>
+  </p:cSld>
+  <p:clrMapOvr>
+    <a:masterClrMapping/>
+  </p:clrMapOvr>
+</p:sld>
+</file>
+
+<file path=ppt/slides/slide7.xml><?xml version="1.0" encoding="utf-8"?>
+<p:sld xmlns:a="http://schemas.openxmlformats.org/drawingml/2006/main" xmlns:r="http://schemas.openxmlformats.org/officeDocument/2006/relationships" xmlns:p="http://schemas.openxmlformats.org/presentationml/2006/main">
+  <p:cSld>
+    <p:spTree>
+      <p:nvGrpSpPr>
+        <p:cNvPr id="1" name=""/>
+        <p:cNvGrpSpPr/>
+        <p:nvPr/>
+      </p:nvGrpSpPr>
+      <p:grpSpPr>
+        <a:xfrm>
+          <a:off x="0" y="0"/>
+          <a:ext cx="0" cy="0"/>
+          <a:chOff x="0" y="0"/>
+          <a:chExt cx="0" cy="0"/>
+        </a:xfrm>
+      </p:grpSpPr>
+      <p:sp>
+        <p:nvSpPr>
+          <p:cNvPr id="2" name="Title 1"/>
+          <p:cNvSpPr>
+            <a:spLocks noGrp="1"/>
+          </p:cNvSpPr>
+          <p:nvPr>
+            <p:ph type="title"/>
+          </p:nvPr>
+        </p:nvSpPr>
+        <p:spPr>
+          <a:xfrm>
+            <a:off x="1154955" y="1365739"/>
+            <a:ext cx="2793158" cy="1600200"/>
+          </a:xfrm>
+        </p:spPr>
+        <p:txBody>
+          <a:bodyPr/>
+          <a:lstStyle/>
+          <a:p>
+            <a:r>
+              <a:rPr lang="en-US" altLang="ko-KR" dirty="0" smtClean="0"/>
+              <a:t>Frontend</a:t>
+            </a:r>
+            <a:endParaRPr lang="ko-KR" altLang="en-US" dirty="0"/>
+          </a:p>
+        </p:txBody>
+      </p:sp>
+      <p:sp>
+        <p:nvSpPr>
+          <p:cNvPr id="4" name="Text Placeholder 3"/>
+          <p:cNvSpPr>
+            <a:spLocks noGrp="1"/>
+          </p:cNvSpPr>
+          <p:nvPr>
+            <p:ph type="body" sz="half" idx="2"/>
+          </p:nvPr>
+        </p:nvSpPr>
+        <p:spPr/>
+        <p:txBody>
+          <a:bodyPr/>
+          <a:lstStyle/>
+          <a:p>
+            <a:r>
+              <a:rPr lang="en-US" altLang="ko-KR" dirty="0" smtClean="0"/>
+              <a:t>Statistical Analysis</a:t>
+            </a:r>
+            <a:endParaRPr lang="ko-KR" altLang="en-US" dirty="0"/>
+          </a:p>
+        </p:txBody>
+      </p:sp>
+      <p:pic>
+        <p:nvPicPr>
+          <p:cNvPr id="6" name="그림 5"/>
+          <p:cNvPicPr>
+            <a:picLocks noChangeAspect="1"/>
+          </p:cNvPicPr>
+          <p:nvPr/>
+        </p:nvPicPr>
+        <p:blipFill>
+          <a:blip r:embed="rId2">
+            <a:extLst>
+              <a:ext uri="{28A0092B-C50C-407E-A947-70E740481C1C}">
+                <a14:useLocalDpi xmlns:a14="http://schemas.microsoft.com/office/drawing/2010/main" val="0"/>
+              </a:ext>
+            </a:extLst>
+          </a:blip>
+          <a:stretch>
+            <a:fillRect/>
+          </a:stretch>
+        </p:blipFill>
+        <p:spPr>
+          <a:xfrm>
+            <a:off x="3404689" y="1496455"/>
+            <a:ext cx="7339512" cy="4528424"/>
+          </a:xfrm>
+          <a:prstGeom prst="rect">
+            <a:avLst/>
+          </a:prstGeom>
+        </p:spPr>
+      </p:pic>
+      <p:sp>
+        <p:nvSpPr>
+          <p:cNvPr id="7" name="TextBox 6"/>
+          <p:cNvSpPr txBox="1"/>
+          <p:nvPr/>
+        </p:nvSpPr>
+        <p:spPr>
+          <a:xfrm>
+            <a:off x="4730262" y="1128976"/>
+            <a:ext cx="4290646" cy="367479"/>
+          </a:xfrm>
+          <a:prstGeom prst="rect">
+            <a:avLst/>
+          </a:prstGeom>
+          <a:noFill/>
+        </p:spPr>
+        <p:txBody>
+          <a:bodyPr wrap="square" rtlCol="0">
+            <a:spAutoFit/>
+          </a:bodyPr>
+          <a:lstStyle/>
+          <a:p>
+            <a:r>
+              <a:rPr lang="ko-KR" altLang="en-US" dirty="0" smtClean="0"/>
+              <a:t>이동평균선 </a:t>
+            </a:r>
+            <a:r>
+              <a:rPr lang="en-US" altLang="ko-KR" dirty="0" smtClean="0"/>
+              <a:t>(Ozone of </a:t>
+            </a:r>
+            <a:r>
+              <a:rPr lang="en-US" altLang="ko-KR" dirty="0" err="1" smtClean="0"/>
+              <a:t>NewYork</a:t>
+            </a:r>
+            <a:r>
+              <a:rPr lang="en-US" altLang="ko-KR" dirty="0" smtClean="0"/>
+              <a:t> City)</a:t>
+            </a:r>
+            <a:endParaRPr lang="ko-KR" altLang="en-US" dirty="0"/>
+          </a:p>
+        </p:txBody>
+      </p:sp>
+    </p:spTree>
+    <p:extLst>
+      <p:ext uri="{BB962C8B-B14F-4D97-AF65-F5344CB8AC3E}">
+        <p14:creationId xmlns:p14="http://schemas.microsoft.com/office/powerpoint/2010/main" val="3221355889"/>
+      </p:ext>
+    </p:extLst>
+  </p:cSld>
+  <p:clrMapOvr>
+    <a:masterClrMapping/>
+  </p:clrMapOvr>
+</p:sld>
+</file>
+
+<file path=ppt/slides/slide8.xml><?xml version="1.0" encoding="utf-8"?>
+<p:sld xmlns:a="http://schemas.openxmlformats.org/drawingml/2006/main" xmlns:r="http://schemas.openxmlformats.org/officeDocument/2006/relationships" xmlns:p="http://schemas.openxmlformats.org/presentationml/2006/main">
+  <p:cSld>
+    <p:spTree>
+      <p:nvGrpSpPr>
+        <p:cNvPr id="1" name=""/>
+        <p:cNvGrpSpPr/>
+        <p:nvPr/>
+      </p:nvGrpSpPr>
+      <p:grpSpPr>
+        <a:xfrm>
+          <a:off x="0" y="0"/>
+          <a:ext cx="0" cy="0"/>
+          <a:chOff x="0" y="0"/>
+          <a:chExt cx="0" cy="0"/>
+        </a:xfrm>
+      </p:grpSpPr>
+      <p:sp>
+        <p:nvSpPr>
+          <p:cNvPr id="2" name="Title 1"/>
+          <p:cNvSpPr>
+            <a:spLocks noGrp="1"/>
+          </p:cNvSpPr>
+          <p:nvPr>
+            <p:ph type="title"/>
+          </p:nvPr>
+        </p:nvSpPr>
+        <p:spPr>
+          <a:xfrm>
+            <a:off x="1154955" y="1365739"/>
+            <a:ext cx="2793158" cy="1600200"/>
+          </a:xfrm>
+        </p:spPr>
+        <p:txBody>
+          <a:bodyPr/>
+          <a:lstStyle/>
+          <a:p>
+            <a:r>
+              <a:rPr lang="en-US" altLang="ko-KR" dirty="0" smtClean="0"/>
+              <a:t>Frontend</a:t>
+            </a:r>
+            <a:endParaRPr lang="ko-KR" altLang="en-US" dirty="0"/>
+          </a:p>
+        </p:txBody>
+      </p:sp>
+      <p:sp>
+        <p:nvSpPr>
+          <p:cNvPr id="4" name="Text Placeholder 3"/>
+          <p:cNvSpPr>
+            <a:spLocks noGrp="1"/>
+          </p:cNvSpPr>
+          <p:nvPr>
+            <p:ph type="body" sz="half" idx="2"/>
+          </p:nvPr>
+        </p:nvSpPr>
+        <p:spPr/>
+        <p:txBody>
+          <a:bodyPr/>
+          <a:lstStyle/>
+          <a:p>
+            <a:r>
+              <a:rPr lang="en-US" altLang="ko-KR" dirty="0" smtClean="0"/>
+              <a:t>Statistical Analysis</a:t>
+            </a:r>
+            <a:endParaRPr lang="ko-KR" altLang="en-US" dirty="0"/>
+          </a:p>
+        </p:txBody>
+      </p:sp>
+      <p:pic>
+        <p:nvPicPr>
+          <p:cNvPr id="3" name="그림 2"/>
+          <p:cNvPicPr>
+            <a:picLocks noChangeAspect="1"/>
+          </p:cNvPicPr>
+          <p:nvPr/>
+        </p:nvPicPr>
+        <p:blipFill>
+          <a:blip r:embed="rId2">
+            <a:extLst>
+              <a:ext uri="{28A0092B-C50C-407E-A947-70E740481C1C}">
+                <a14:useLocalDpi xmlns:a14="http://schemas.microsoft.com/office/drawing/2010/main" val="0"/>
+              </a:ext>
+            </a:extLst>
+          </a:blip>
+          <a:stretch>
+            <a:fillRect/>
+          </a:stretch>
+        </p:blipFill>
+        <p:spPr>
+          <a:xfrm>
+            <a:off x="3537986" y="1532793"/>
+            <a:ext cx="7608722" cy="4413738"/>
+          </a:xfrm>
+          <a:prstGeom prst="rect">
+            <a:avLst/>
+          </a:prstGeom>
+        </p:spPr>
+      </p:pic>
+      <p:sp>
+        <p:nvSpPr>
+          <p:cNvPr id="5" name="TextBox 4"/>
+          <p:cNvSpPr txBox="1"/>
+          <p:nvPr/>
+        </p:nvSpPr>
+        <p:spPr>
+          <a:xfrm>
+            <a:off x="5452001" y="1163461"/>
+            <a:ext cx="3464169" cy="369332"/>
+          </a:xfrm>
+          <a:prstGeom prst="rect">
+            <a:avLst/>
+          </a:prstGeom>
+          <a:noFill/>
+        </p:spPr>
+        <p:txBody>
+          <a:bodyPr wrap="square" rtlCol="0">
+            <a:spAutoFit/>
+          </a:bodyPr>
+          <a:lstStyle/>
+          <a:p>
+            <a:r>
+              <a:rPr lang="ko-KR" altLang="en-US" dirty="0" smtClean="0"/>
+              <a:t>수익률 변화 </a:t>
+            </a:r>
+            <a:r>
+              <a:rPr lang="en-US" altLang="ko-KR" dirty="0" smtClean="0"/>
+              <a:t>(Google, Apple)</a:t>
+            </a:r>
+            <a:endParaRPr lang="ko-KR" altLang="en-US" dirty="0"/>
+          </a:p>
+        </p:txBody>
+      </p:sp>
+    </p:spTree>
+    <p:extLst>
+      <p:ext uri="{BB962C8B-B14F-4D97-AF65-F5344CB8AC3E}">
+        <p14:creationId xmlns:p14="http://schemas.microsoft.com/office/powerpoint/2010/main" val="2074490910"/>
+      </p:ext>
+    </p:extLst>
+  </p:cSld>
+  <p:clrMapOvr>
+    <a:masterClrMapping/>
+  </p:clrMapOvr>
+</p:sld>
+</file>
+
+<file path=ppt/slides/slide9.xml><?xml version="1.0" encoding="utf-8"?>
+<p:sld xmlns:a="http://schemas.openxmlformats.org/drawingml/2006/main" xmlns:r="http://schemas.openxmlformats.org/officeDocument/2006/relationships" xmlns:p="http://schemas.openxmlformats.org/presentationml/2006/main">
+  <p:cSld>
+    <p:spTree>
+      <p:nvGrpSpPr>
+        <p:cNvPr id="1" name=""/>
+        <p:cNvGrpSpPr/>
+        <p:nvPr/>
+      </p:nvGrpSpPr>
+      <p:grpSpPr>
+        <a:xfrm>
+          <a:off x="0" y="0"/>
+          <a:ext cx="0" cy="0"/>
+          <a:chOff x="0" y="0"/>
+          <a:chExt cx="0" cy="0"/>
+        </a:xfrm>
+      </p:grpSpPr>
+      <p:sp>
+        <p:nvSpPr>
+          <p:cNvPr id="2" name="Title 1"/>
+          <p:cNvSpPr>
+            <a:spLocks noGrp="1"/>
+          </p:cNvSpPr>
+          <p:nvPr>
+            <p:ph type="title"/>
+          </p:nvPr>
+        </p:nvSpPr>
+        <p:spPr>
+          <a:xfrm>
+            <a:off x="1154955" y="1365739"/>
+            <a:ext cx="2793158" cy="1600200"/>
+          </a:xfrm>
+        </p:spPr>
+        <p:txBody>
+          <a:bodyPr/>
+          <a:lstStyle/>
+          <a:p>
+            <a:r>
+              <a:rPr lang="en-US" altLang="ko-KR" dirty="0" smtClean="0"/>
+              <a:t>Frontend</a:t>
+            </a:r>
+            <a:endParaRPr lang="ko-KR" altLang="en-US" dirty="0"/>
+          </a:p>
+        </p:txBody>
+      </p:sp>
+      <p:sp>
+        <p:nvSpPr>
+          <p:cNvPr id="4" name="Text Placeholder 3"/>
+          <p:cNvSpPr>
+            <a:spLocks noGrp="1"/>
+          </p:cNvSpPr>
+          <p:nvPr>
+            <p:ph type="body" sz="half" idx="2"/>
+          </p:nvPr>
+        </p:nvSpPr>
+        <p:spPr/>
+        <p:txBody>
+          <a:bodyPr/>
+          <a:lstStyle/>
+          <a:p>
+            <a:r>
+              <a:rPr lang="en-US" altLang="ko-KR" dirty="0" smtClean="0"/>
+              <a:t>Statistical Analysis</a:t>
+            </a:r>
+            <a:endParaRPr lang="ko-KR" altLang="en-US" dirty="0"/>
+          </a:p>
+        </p:txBody>
+      </p:sp>
+      <p:pic>
+        <p:nvPicPr>
+          <p:cNvPr id="5" name="그림 4"/>
+          <p:cNvPicPr>
+            <a:picLocks noChangeAspect="1"/>
+          </p:cNvPicPr>
+          <p:nvPr/>
+        </p:nvPicPr>
+        <p:blipFill>
+          <a:blip r:embed="rId2">
+            <a:extLst>
+              <a:ext uri="{28A0092B-C50C-407E-A947-70E740481C1C}">
+                <a14:useLocalDpi xmlns:a14="http://schemas.microsoft.com/office/drawing/2010/main" val="0"/>
+              </a:ext>
+            </a:extLst>
+          </a:blip>
+          <a:stretch>
+            <a:fillRect/>
+          </a:stretch>
+        </p:blipFill>
+        <p:spPr>
+          <a:xfrm>
+            <a:off x="3636499" y="1532556"/>
+            <a:ext cx="7386587" cy="4395608"/>
+          </a:xfrm>
+          <a:prstGeom prst="rect">
+            <a:avLst/>
+          </a:prstGeom>
+        </p:spPr>
+      </p:pic>
+      <p:sp>
+        <p:nvSpPr>
+          <p:cNvPr id="6" name="TextBox 5"/>
+          <p:cNvSpPr txBox="1"/>
+          <p:nvPr/>
+        </p:nvSpPr>
+        <p:spPr>
+          <a:xfrm>
+            <a:off x="5284177" y="1163224"/>
+            <a:ext cx="5187462" cy="369332"/>
+          </a:xfrm>
+          <a:prstGeom prst="rect">
+            <a:avLst/>
+          </a:prstGeom>
+          <a:noFill/>
+        </p:spPr>
+        <p:txBody>
+          <a:bodyPr wrap="square" rtlCol="0">
+            <a:spAutoFit/>
+          </a:bodyPr>
+          <a:lstStyle/>
+          <a:p>
+            <a:r>
+              <a:rPr lang="en-US" altLang="ko-KR" dirty="0" smtClean="0"/>
+              <a:t>1</a:t>
+            </a:r>
+            <a:r>
+              <a:rPr lang="ko-KR" altLang="en-US" dirty="0" smtClean="0"/>
+              <a:t>년 누적수익률</a:t>
+            </a:r>
+            <a:r>
+              <a:rPr lang="en-US" altLang="ko-KR" dirty="0" smtClean="0"/>
+              <a:t>(Cumulative Return)</a:t>
+            </a:r>
+            <a:endParaRPr lang="ko-KR" altLang="en-US" dirty="0"/>
+          </a:p>
+        </p:txBody>
+      </p:sp>
+    </p:spTree>
+    <p:extLst>
+      <p:ext uri="{BB962C8B-B14F-4D97-AF65-F5344CB8AC3E}">
+        <p14:creationId xmlns:p14="http://schemas.microsoft.com/office/powerpoint/2010/main" val="718698726"/>
       </p:ext>
     </p:extLst>
   </p:cSld>
